--- a/10. Функции/10. Функции.pptx
+++ b/10. Функции/10. Функции.pptx
@@ -207,7 +207,7 @@
           <a:p>
             <a:fld id="{036B47B5-EF1D-41BD-9CC3-7AD4E8DDF9BA}" type="datetimeFigureOut">
               <a:rPr lang="ru-RU" smtClean="0"/>
-              <a:t>08.04.2022</a:t>
+              <a:t>11.04.2022</a:t>
             </a:fld>
             <a:endParaRPr lang="ru-RU"/>
           </a:p>
@@ -4757,7 +4757,7 @@
           <a:p>
             <a:fld id="{348D1148-AA36-4684-835C-5806DCFCF7AA}" type="datetimeFigureOut">
               <a:rPr lang="ru-RU" smtClean="0"/>
-              <a:t>08.04.2022</a:t>
+              <a:t>11.04.2022</a:t>
             </a:fld>
             <a:endParaRPr lang="ru-RU"/>
           </a:p>
@@ -5024,7 +5024,7 @@
           <a:p>
             <a:fld id="{348D1148-AA36-4684-835C-5806DCFCF7AA}" type="datetimeFigureOut">
               <a:rPr lang="ru-RU" smtClean="0"/>
-              <a:t>08.04.2022</a:t>
+              <a:t>11.04.2022</a:t>
             </a:fld>
             <a:endParaRPr lang="ru-RU"/>
           </a:p>
@@ -5220,7 +5220,7 @@
           <a:p>
             <a:fld id="{348D1148-AA36-4684-835C-5806DCFCF7AA}" type="datetimeFigureOut">
               <a:rPr lang="ru-RU" smtClean="0"/>
-              <a:t>08.04.2022</a:t>
+              <a:t>11.04.2022</a:t>
             </a:fld>
             <a:endParaRPr lang="ru-RU"/>
           </a:p>
@@ -5483,7 +5483,7 @@
           <a:p>
             <a:fld id="{348D1148-AA36-4684-835C-5806DCFCF7AA}" type="datetimeFigureOut">
               <a:rPr lang="ru-RU" smtClean="0"/>
-              <a:t>08.04.2022</a:t>
+              <a:t>11.04.2022</a:t>
             </a:fld>
             <a:endParaRPr lang="ru-RU"/>
           </a:p>
@@ -5917,7 +5917,7 @@
           <a:p>
             <a:fld id="{348D1148-AA36-4684-835C-5806DCFCF7AA}" type="datetimeFigureOut">
               <a:rPr lang="ru-RU" smtClean="0"/>
-              <a:t>08.04.2022</a:t>
+              <a:t>11.04.2022</a:t>
             </a:fld>
             <a:endParaRPr lang="ru-RU"/>
           </a:p>
@@ -6463,7 +6463,7 @@
           <a:p>
             <a:fld id="{348D1148-AA36-4684-835C-5806DCFCF7AA}" type="datetimeFigureOut">
               <a:rPr lang="ru-RU" smtClean="0"/>
-              <a:t>08.04.2022</a:t>
+              <a:t>11.04.2022</a:t>
             </a:fld>
             <a:endParaRPr lang="ru-RU"/>
           </a:p>
@@ -7183,7 +7183,7 @@
           <a:p>
             <a:fld id="{348D1148-AA36-4684-835C-5806DCFCF7AA}" type="datetimeFigureOut">
               <a:rPr lang="ru-RU" smtClean="0"/>
-              <a:t>08.04.2022</a:t>
+              <a:t>11.04.2022</a:t>
             </a:fld>
             <a:endParaRPr lang="ru-RU"/>
           </a:p>
@@ -7353,7 +7353,7 @@
           <a:p>
             <a:fld id="{348D1148-AA36-4684-835C-5806DCFCF7AA}" type="datetimeFigureOut">
               <a:rPr lang="ru-RU" smtClean="0"/>
-              <a:t>08.04.2022</a:t>
+              <a:t>11.04.2022</a:t>
             </a:fld>
             <a:endParaRPr lang="ru-RU"/>
           </a:p>
@@ -7533,7 +7533,7 @@
           <a:p>
             <a:fld id="{348D1148-AA36-4684-835C-5806DCFCF7AA}" type="datetimeFigureOut">
               <a:rPr lang="ru-RU" smtClean="0"/>
-              <a:t>08.04.2022</a:t>
+              <a:t>11.04.2022</a:t>
             </a:fld>
             <a:endParaRPr lang="ru-RU"/>
           </a:p>
@@ -7703,7 +7703,7 @@
           <a:p>
             <a:fld id="{348D1148-AA36-4684-835C-5806DCFCF7AA}" type="datetimeFigureOut">
               <a:rPr lang="ru-RU" smtClean="0"/>
-              <a:t>08.04.2022</a:t>
+              <a:t>11.04.2022</a:t>
             </a:fld>
             <a:endParaRPr lang="ru-RU"/>
           </a:p>
@@ -7953,7 +7953,7 @@
           <a:p>
             <a:fld id="{348D1148-AA36-4684-835C-5806DCFCF7AA}" type="datetimeFigureOut">
               <a:rPr lang="ru-RU" smtClean="0"/>
-              <a:t>08.04.2022</a:t>
+              <a:t>11.04.2022</a:t>
             </a:fld>
             <a:endParaRPr lang="ru-RU"/>
           </a:p>
@@ -8185,7 +8185,7 @@
           <a:p>
             <a:fld id="{348D1148-AA36-4684-835C-5806DCFCF7AA}" type="datetimeFigureOut">
               <a:rPr lang="ru-RU" smtClean="0"/>
-              <a:t>08.04.2022</a:t>
+              <a:t>11.04.2022</a:t>
             </a:fld>
             <a:endParaRPr lang="ru-RU"/>
           </a:p>
@@ -8566,7 +8566,7 @@
           <a:p>
             <a:fld id="{348D1148-AA36-4684-835C-5806DCFCF7AA}" type="datetimeFigureOut">
               <a:rPr lang="ru-RU" smtClean="0"/>
-              <a:t>08.04.2022</a:t>
+              <a:t>11.04.2022</a:t>
             </a:fld>
             <a:endParaRPr lang="ru-RU"/>
           </a:p>
@@ -8684,7 +8684,7 @@
           <a:p>
             <a:fld id="{348D1148-AA36-4684-835C-5806DCFCF7AA}" type="datetimeFigureOut">
               <a:rPr lang="ru-RU" smtClean="0"/>
-              <a:t>08.04.2022</a:t>
+              <a:t>11.04.2022</a:t>
             </a:fld>
             <a:endParaRPr lang="ru-RU"/>
           </a:p>
@@ -8779,7 +8779,7 @@
           <a:p>
             <a:fld id="{348D1148-AA36-4684-835C-5806DCFCF7AA}" type="datetimeFigureOut">
               <a:rPr lang="ru-RU" smtClean="0"/>
-              <a:t>08.04.2022</a:t>
+              <a:t>11.04.2022</a:t>
             </a:fld>
             <a:endParaRPr lang="ru-RU"/>
           </a:p>
@@ -9028,7 +9028,7 @@
           <a:p>
             <a:fld id="{348D1148-AA36-4684-835C-5806DCFCF7AA}" type="datetimeFigureOut">
               <a:rPr lang="ru-RU" smtClean="0"/>
-              <a:t>08.04.2022</a:t>
+              <a:t>11.04.2022</a:t>
             </a:fld>
             <a:endParaRPr lang="ru-RU"/>
           </a:p>
@@ -9308,7 +9308,7 @@
           <a:p>
             <a:fld id="{348D1148-AA36-4684-835C-5806DCFCF7AA}" type="datetimeFigureOut">
               <a:rPr lang="ru-RU" smtClean="0"/>
-              <a:t>08.04.2022</a:t>
+              <a:t>11.04.2022</a:t>
             </a:fld>
             <a:endParaRPr lang="ru-RU"/>
           </a:p>
@@ -12375,7 +12375,7 @@
           <a:p>
             <a:fld id="{348D1148-AA36-4684-835C-5806DCFCF7AA}" type="datetimeFigureOut">
               <a:rPr lang="ru-RU" smtClean="0"/>
-              <a:t>08.04.2022</a:t>
+              <a:t>11.04.2022</a:t>
             </a:fld>
             <a:endParaRPr lang="ru-RU"/>
           </a:p>
@@ -15450,12 +15450,15 @@
               </a:rPr>
               <a:t>тело функции</a:t>
             </a:r>
-            <a:endParaRPr lang="en-US" sz="2300" dirty="0">
-              <a:solidFill>
-                <a:schemeClr val="accent1"/>
-              </a:solidFill>
-              <a:latin typeface="Consolas" panose="020B0609020204030204" pitchFamily="49" charset="0"/>
-            </a:endParaRPr>
+            <a:r>
+              <a:rPr lang="en-US" sz="2300" dirty="0">
+                <a:solidFill>
+                  <a:schemeClr val="accent1"/>
+                </a:solidFill>
+                <a:latin typeface="Consolas" panose="020B0609020204030204" pitchFamily="49" charset="0"/>
+              </a:rPr>
+              <a:t>;</a:t>
+            </a:r>
           </a:p>
           <a:p>
             <a:pPr marL="0" indent="0" algn="just">
@@ -15580,7 +15583,7 @@
                 <a:effectLst/>
                 <a:latin typeface="Consolas" panose="020B0609020204030204" pitchFamily="49" charset="0"/>
               </a:rPr>
-              <a:t>print_hello</a:t>
+              <a:t>printHello</a:t>
             </a:r>
             <a:r>
               <a:rPr lang="en-GB" b="0" dirty="0">
@@ -15943,7 +15946,26 @@
                 <a:effectLst/>
                 <a:latin typeface="Consolas" panose="020B0609020204030204" pitchFamily="49" charset="0"/>
               </a:rPr>
-              <a:t>print_hello</a:t>
+              <a:t>print</a:t>
+            </a:r>
+            <a:r>
+              <a:rPr lang="en-GB" dirty="0" err="1">
+                <a:solidFill>
+                  <a:srgbClr val="DCDCAA"/>
+                </a:solidFill>
+                <a:latin typeface="Consolas" panose="020B0609020204030204" pitchFamily="49" charset="0"/>
+              </a:rPr>
+              <a:t>H</a:t>
+            </a:r>
+            <a:r>
+              <a:rPr lang="en-GB" b="0" dirty="0" err="1">
+                <a:solidFill>
+                  <a:srgbClr val="DCDCAA"/>
+                </a:solidFill>
+                <a:effectLst/>
+                <a:latin typeface="Consolas" panose="020B0609020204030204" pitchFamily="49" charset="0"/>
+              </a:rPr>
+              <a:t>ello</a:t>
             </a:r>
             <a:r>
               <a:rPr lang="en-GB" b="0" dirty="0">
@@ -16305,7 +16327,7 @@
                 <a:effectLst/>
                 <a:latin typeface="Consolas" panose="020B0609020204030204" pitchFamily="49" charset="0"/>
               </a:rPr>
-              <a:t>is_prime</a:t>
+              <a:t>isPrime</a:t>
             </a:r>
             <a:r>
               <a:rPr lang="en-GB" b="0" dirty="0">
@@ -17112,7 +17134,26 @@
                 <a:effectLst/>
                 <a:latin typeface="Consolas" panose="020B0609020204030204" pitchFamily="49" charset="0"/>
               </a:rPr>
-              <a:t>is_prime</a:t>
+              <a:t>is</a:t>
+            </a:r>
+            <a:r>
+              <a:rPr lang="en-GB" dirty="0" err="1">
+                <a:solidFill>
+                  <a:srgbClr val="DCDCAA"/>
+                </a:solidFill>
+                <a:latin typeface="Consolas" panose="020B0609020204030204" pitchFamily="49" charset="0"/>
+              </a:rPr>
+              <a:t>P</a:t>
+            </a:r>
+            <a:r>
+              <a:rPr lang="en-GB" b="0" dirty="0" err="1">
+                <a:solidFill>
+                  <a:srgbClr val="DCDCAA"/>
+                </a:solidFill>
+                <a:effectLst/>
+                <a:latin typeface="Consolas" panose="020B0609020204030204" pitchFamily="49" charset="0"/>
+              </a:rPr>
+              <a:t>rime</a:t>
             </a:r>
             <a:r>
               <a:rPr lang="en-GB" b="0" dirty="0">
@@ -17967,7 +18008,26 @@
                 <a:effectLst/>
                 <a:latin typeface="Consolas" panose="020B0609020204030204" pitchFamily="49" charset="0"/>
               </a:rPr>
-              <a:t>test_scope</a:t>
+              <a:t>test</a:t>
+            </a:r>
+            <a:r>
+              <a:rPr lang="en-GB" sz="1400" dirty="0" err="1">
+                <a:solidFill>
+                  <a:srgbClr val="DCDCAA"/>
+                </a:solidFill>
+                <a:latin typeface="Consolas" panose="020B0609020204030204" pitchFamily="49" charset="0"/>
+              </a:rPr>
+              <a:t>S</a:t>
+            </a:r>
+            <a:r>
+              <a:rPr lang="en-GB" sz="1400" b="0" dirty="0" err="1">
+                <a:solidFill>
+                  <a:srgbClr val="DCDCAA"/>
+                </a:solidFill>
+                <a:effectLst/>
+                <a:latin typeface="Consolas" panose="020B0609020204030204" pitchFamily="49" charset="0"/>
+              </a:rPr>
+              <a:t>cope</a:t>
             </a:r>
             <a:r>
               <a:rPr lang="en-GB" sz="1400" b="0" dirty="0">
@@ -18287,7 +18347,26 @@
                 <a:effectLst/>
                 <a:latin typeface="Consolas" panose="020B0609020204030204" pitchFamily="49" charset="0"/>
               </a:rPr>
-              <a:t>test_scope</a:t>
+              <a:t>test</a:t>
+            </a:r>
+            <a:r>
+              <a:rPr lang="en-GB" sz="1400" dirty="0" err="1">
+                <a:solidFill>
+                  <a:srgbClr val="DCDCAA"/>
+                </a:solidFill>
+                <a:latin typeface="Consolas" panose="020B0609020204030204" pitchFamily="49" charset="0"/>
+              </a:rPr>
+              <a:t>S</a:t>
+            </a:r>
+            <a:r>
+              <a:rPr lang="en-GB" sz="1400" b="0" dirty="0" err="1">
+                <a:solidFill>
+                  <a:srgbClr val="DCDCAA"/>
+                </a:solidFill>
+                <a:effectLst/>
+                <a:latin typeface="Consolas" panose="020B0609020204030204" pitchFamily="49" charset="0"/>
+              </a:rPr>
+              <a:t>cope</a:t>
             </a:r>
             <a:r>
               <a:rPr lang="en-GB" sz="1400" b="0" dirty="0">
@@ -18841,7 +18920,26 @@
                 <a:effectLst/>
                 <a:latin typeface="Consolas" panose="020B0609020204030204" pitchFamily="49" charset="0"/>
               </a:rPr>
-              <a:t>print_data</a:t>
+              <a:t>print</a:t>
+            </a:r>
+            <a:r>
+              <a:rPr lang="en-GB" sz="1400" dirty="0" err="1">
+                <a:solidFill>
+                  <a:srgbClr val="DCDCAA"/>
+                </a:solidFill>
+                <a:latin typeface="Consolas" panose="020B0609020204030204" pitchFamily="49" charset="0"/>
+              </a:rPr>
+              <a:t>D</a:t>
+            </a:r>
+            <a:r>
+              <a:rPr lang="en-GB" sz="1400" b="0" dirty="0" err="1">
+                <a:solidFill>
+                  <a:srgbClr val="DCDCAA"/>
+                </a:solidFill>
+                <a:effectLst/>
+                <a:latin typeface="Consolas" panose="020B0609020204030204" pitchFamily="49" charset="0"/>
+              </a:rPr>
+              <a:t>ata</a:t>
             </a:r>
             <a:r>
               <a:rPr lang="en-GB" sz="1400" b="0" dirty="0">
@@ -19026,7 +19124,26 @@
                 <a:effectLst/>
                 <a:latin typeface="Consolas" panose="020B0609020204030204" pitchFamily="49" charset="0"/>
               </a:rPr>
-              <a:t>print_data</a:t>
+              <a:t>print</a:t>
+            </a:r>
+            <a:r>
+              <a:rPr lang="en-GB" sz="1400" dirty="0" err="1">
+                <a:solidFill>
+                  <a:srgbClr val="DCDCAA"/>
+                </a:solidFill>
+                <a:latin typeface="Consolas" panose="020B0609020204030204" pitchFamily="49" charset="0"/>
+              </a:rPr>
+              <a:t>D</a:t>
+            </a:r>
+            <a:r>
+              <a:rPr lang="en-GB" sz="1400" b="0" dirty="0" err="1">
+                <a:solidFill>
+                  <a:srgbClr val="DCDCAA"/>
+                </a:solidFill>
+                <a:effectLst/>
+                <a:latin typeface="Consolas" panose="020B0609020204030204" pitchFamily="49" charset="0"/>
+              </a:rPr>
+              <a:t>ata</a:t>
             </a:r>
             <a:r>
               <a:rPr lang="en-GB" sz="1400" b="0" dirty="0">
@@ -19211,7 +19328,26 @@
                 <a:effectLst/>
                 <a:latin typeface="Consolas" panose="020B0609020204030204" pitchFamily="49" charset="0"/>
               </a:rPr>
-              <a:t>print_data</a:t>
+              <a:t>print</a:t>
+            </a:r>
+            <a:r>
+              <a:rPr lang="en-GB" sz="1400" dirty="0" err="1">
+                <a:solidFill>
+                  <a:srgbClr val="DCDCAA"/>
+                </a:solidFill>
+                <a:latin typeface="Consolas" panose="020B0609020204030204" pitchFamily="49" charset="0"/>
+              </a:rPr>
+              <a:t>D</a:t>
+            </a:r>
+            <a:r>
+              <a:rPr lang="en-GB" sz="1400" b="0" dirty="0" err="1">
+                <a:solidFill>
+                  <a:srgbClr val="DCDCAA"/>
+                </a:solidFill>
+                <a:effectLst/>
+                <a:latin typeface="Consolas" panose="020B0609020204030204" pitchFamily="49" charset="0"/>
+              </a:rPr>
+              <a:t>ata</a:t>
             </a:r>
             <a:r>
               <a:rPr lang="en-GB" sz="1400" b="0" dirty="0">
@@ -19396,7 +19532,26 @@
                 <a:effectLst/>
                 <a:latin typeface="Consolas" panose="020B0609020204030204" pitchFamily="49" charset="0"/>
               </a:rPr>
-              <a:t>print_data</a:t>
+              <a:t>print</a:t>
+            </a:r>
+            <a:r>
+              <a:rPr lang="en-GB" sz="1400" dirty="0" err="1">
+                <a:solidFill>
+                  <a:srgbClr val="DCDCAA"/>
+                </a:solidFill>
+                <a:latin typeface="Consolas" panose="020B0609020204030204" pitchFamily="49" charset="0"/>
+              </a:rPr>
+              <a:t>D</a:t>
+            </a:r>
+            <a:r>
+              <a:rPr lang="en-GB" sz="1400" b="0" dirty="0" err="1">
+                <a:solidFill>
+                  <a:srgbClr val="DCDCAA"/>
+                </a:solidFill>
+                <a:effectLst/>
+                <a:latin typeface="Consolas" panose="020B0609020204030204" pitchFamily="49" charset="0"/>
+              </a:rPr>
+              <a:t>ata</a:t>
             </a:r>
             <a:r>
               <a:rPr lang="en-GB" sz="1400" b="0" dirty="0">
@@ -19613,7 +19768,26 @@
                 <a:effectLst/>
                 <a:latin typeface="Consolas" panose="020B0609020204030204" pitchFamily="49" charset="0"/>
               </a:rPr>
-              <a:t>print_data</a:t>
+              <a:t>print</a:t>
+            </a:r>
+            <a:r>
+              <a:rPr lang="en-GB" sz="1400" dirty="0" err="1">
+                <a:solidFill>
+                  <a:srgbClr val="DCDCAA"/>
+                </a:solidFill>
+                <a:latin typeface="Consolas" panose="020B0609020204030204" pitchFamily="49" charset="0"/>
+              </a:rPr>
+              <a:t>D</a:t>
+            </a:r>
+            <a:r>
+              <a:rPr lang="en-GB" sz="1400" b="0" dirty="0" err="1">
+                <a:solidFill>
+                  <a:srgbClr val="DCDCAA"/>
+                </a:solidFill>
+                <a:effectLst/>
+                <a:latin typeface="Consolas" panose="020B0609020204030204" pitchFamily="49" charset="0"/>
+              </a:rPr>
+              <a:t>ata</a:t>
             </a:r>
             <a:r>
               <a:rPr lang="en-GB" sz="1400" b="0" dirty="0">
@@ -19665,7 +19839,26 @@
                 <a:effectLst/>
                 <a:latin typeface="Consolas" panose="020B0609020204030204" pitchFamily="49" charset="0"/>
               </a:rPr>
-              <a:t>print_data</a:t>
+              <a:t>print</a:t>
+            </a:r>
+            <a:r>
+              <a:rPr lang="en-GB" sz="1400" dirty="0" err="1">
+                <a:solidFill>
+                  <a:srgbClr val="DCDCAA"/>
+                </a:solidFill>
+                <a:latin typeface="Consolas" panose="020B0609020204030204" pitchFamily="49" charset="0"/>
+              </a:rPr>
+              <a:t>D</a:t>
+            </a:r>
+            <a:r>
+              <a:rPr lang="en-GB" sz="1400" b="0" dirty="0" err="1">
+                <a:solidFill>
+                  <a:srgbClr val="DCDCAA"/>
+                </a:solidFill>
+                <a:effectLst/>
+                <a:latin typeface="Consolas" panose="020B0609020204030204" pitchFamily="49" charset="0"/>
+              </a:rPr>
+              <a:t>ata</a:t>
             </a:r>
             <a:r>
               <a:rPr lang="en-GB" sz="1400" b="0" dirty="0">
@@ -19717,7 +19910,26 @@
                 <a:effectLst/>
                 <a:latin typeface="Consolas" panose="020B0609020204030204" pitchFamily="49" charset="0"/>
               </a:rPr>
-              <a:t>print_data</a:t>
+              <a:t>print</a:t>
+            </a:r>
+            <a:r>
+              <a:rPr lang="en-GB" sz="1400" dirty="0" err="1">
+                <a:solidFill>
+                  <a:srgbClr val="DCDCAA"/>
+                </a:solidFill>
+                <a:latin typeface="Consolas" panose="020B0609020204030204" pitchFamily="49" charset="0"/>
+              </a:rPr>
+              <a:t>D</a:t>
+            </a:r>
+            <a:r>
+              <a:rPr lang="en-GB" sz="1400" b="0" dirty="0" err="1">
+                <a:solidFill>
+                  <a:srgbClr val="DCDCAA"/>
+                </a:solidFill>
+                <a:effectLst/>
+                <a:latin typeface="Consolas" panose="020B0609020204030204" pitchFamily="49" charset="0"/>
+              </a:rPr>
+              <a:t>ata</a:t>
             </a:r>
             <a:r>
               <a:rPr lang="en-GB" sz="1400" b="0" dirty="0">
